--- a/TP2-questions.pptx
+++ b/TP2-questions.pptx
@@ -202,7 +202,7 @@
           <a:p>
             <a:fld id="{F7F2F2DA-CBF1-43B0-8CEB-6A49F8B3EB53}" type="datetimeFigureOut">
               <a:rPr lang="fr-FR" smtClean="0"/>
-              <a:t>25/11/2024</a:t>
+              <a:t>27/11/2024</a:t>
             </a:fld>
             <a:endParaRPr lang="fr-FR"/>
           </a:p>
@@ -50861,8 +50861,21 @@
             </a:pPr>
             <a:r>
               <a:rPr lang="fr-FR" dirty="0" smtClean="0"/>
-              <a:t>D’après vous, quelle niveau de risque donneriez vous à la vulnérabilité ? (LOW / MEDIUM / HIGH / CRITICAL)</a:t>
-            </a:r>
+              <a:t>D’après vous, </a:t>
+            </a:r>
+            <a:r>
+              <a:rPr lang="fr-FR" dirty="0" smtClean="0"/>
+              <a:t>quel </a:t>
+            </a:r>
+            <a:r>
+              <a:rPr lang="fr-FR" dirty="0" smtClean="0"/>
+              <a:t>niveau de risque donneriez vous à la vulnérabilité ? (LOW / MEDIUM / HIGH / CRITICAL</a:t>
+            </a:r>
+            <a:r>
+              <a:rPr lang="fr-FR" dirty="0" smtClean="0"/>
+              <a:t>) ?</a:t>
+            </a:r>
+            <a:endParaRPr lang="fr-FR" dirty="0" smtClean="0"/>
           </a:p>
           <a:p>
             <a:pPr marL="342900" indent="-342900">
@@ -50878,39 +50891,7 @@
             </a:pPr>
             <a:r>
               <a:rPr lang="fr-FR" dirty="0" smtClean="0"/>
-              <a:t>Créer un « </a:t>
-            </a:r>
-            <a:r>
-              <a:rPr lang="fr-FR" dirty="0" err="1" smtClean="0"/>
-              <a:t>repository</a:t>
-            </a:r>
-            <a:r>
-              <a:rPr lang="fr-FR" dirty="0" smtClean="0"/>
-              <a:t> » sur votre compte </a:t>
-            </a:r>
-            <a:r>
-              <a:rPr lang="fr-FR" dirty="0" err="1" smtClean="0"/>
-              <a:t>github</a:t>
-            </a:r>
-            <a:r>
-              <a:rPr lang="fr-FR" dirty="0" smtClean="0"/>
-              <a:t> et activer dans settings =&gt; Code </a:t>
-            </a:r>
-            <a:r>
-              <a:rPr lang="fr-FR" dirty="0" err="1" smtClean="0"/>
-              <a:t>security</a:t>
-            </a:r>
-            <a:r>
-              <a:rPr lang="fr-FR" dirty="0" smtClean="0"/>
-              <a:t> and </a:t>
-            </a:r>
-            <a:r>
-              <a:rPr lang="fr-FR" dirty="0" err="1" smtClean="0"/>
-              <a:t>analysis</a:t>
-            </a:r>
-            <a:r>
-              <a:rPr lang="fr-FR" dirty="0" smtClean="0"/>
-              <a:t> =&gt; </a:t>
+              <a:t>Qu’est-ce que </a:t>
             </a:r>
             <a:r>
               <a:rPr lang="fr-FR" dirty="0" err="1" smtClean="0"/>
@@ -50918,15 +50899,28 @@
             </a:r>
             <a:r>
               <a:rPr lang="fr-FR" dirty="0" smtClean="0"/>
-              <a:t> </a:t>
-            </a:r>
-            <a:r>
-              <a:rPr lang="fr-FR" dirty="0" err="1" smtClean="0"/>
-              <a:t>alerts</a:t>
+              <a:t> ?</a:t>
+            </a:r>
+          </a:p>
+          <a:p>
+            <a:pPr marL="342900" indent="-342900">
+              <a:buFont typeface="+mj-lt"/>
+              <a:buAutoNum type="arabicPeriod"/>
+            </a:pPr>
+            <a:endParaRPr lang="fr-FR" dirty="0" smtClean="0"/>
+          </a:p>
+          <a:p>
+            <a:pPr marL="342900" indent="-342900">
+              <a:buFont typeface="+mj-lt"/>
+              <a:buAutoNum type="arabicPeriod"/>
+            </a:pPr>
+            <a:r>
+              <a:rPr lang="fr-FR" dirty="0"/>
+              <a:t>Quel est le composant vulnérable </a:t>
             </a:r>
             <a:r>
               <a:rPr lang="fr-FR" dirty="0" smtClean="0"/>
-              <a:t>. </a:t>
+              <a:t>?</a:t>
             </a:r>
           </a:p>
           <a:p>
@@ -50943,51 +50937,12 @@
             </a:pPr>
             <a:r>
               <a:rPr lang="fr-FR" dirty="0" smtClean="0"/>
-              <a:t>Déposer </a:t>
+              <a:t>Quel est le nom de la vulnérabilité ? </a:t>
             </a:r>
             <a:r>
               <a:rPr lang="fr-FR" dirty="0"/>
-              <a:t>les fichiers dans le </a:t>
-            </a:r>
-            <a:r>
-              <a:rPr lang="fr-FR" dirty="0" err="1" smtClean="0"/>
-              <a:t>repository</a:t>
-            </a:r>
-            <a:r>
-              <a:rPr lang="fr-FR" dirty="0" smtClean="0"/>
-              <a:t> et observer l’onglet « Security »</a:t>
-            </a:r>
-          </a:p>
-          <a:p>
-            <a:pPr marL="342900" indent="-342900">
-              <a:buFont typeface="+mj-lt"/>
-              <a:buAutoNum type="arabicPeriod"/>
-            </a:pPr>
-            <a:endParaRPr lang="fr-FR" dirty="0"/>
-          </a:p>
-          <a:p>
-            <a:pPr marL="342900" indent="-342900">
-              <a:buFont typeface="+mj-lt"/>
-              <a:buAutoNum type="arabicPeriod"/>
-            </a:pPr>
-            <a:r>
-              <a:rPr lang="fr-FR" dirty="0"/>
-              <a:t>Quel est le composant vulnérable ?</a:t>
-            </a:r>
-          </a:p>
-          <a:p>
-            <a:pPr marL="342900" indent="-342900">
-              <a:buFont typeface="+mj-lt"/>
-              <a:buAutoNum type="arabicPeriod"/>
-            </a:pPr>
-            <a:endParaRPr lang="fr-FR" dirty="0" smtClean="0"/>
-          </a:p>
-          <a:p>
-            <a:pPr marL="342900" indent="-342900">
-              <a:buFont typeface="+mj-lt"/>
-              <a:buAutoNum type="arabicPeriod"/>
-            </a:pPr>
-            <a:endParaRPr lang="fr-FR" dirty="0"/>
+              <a:t>(CVE-XXXX-XXXX) </a:t>
+            </a:r>
           </a:p>
           <a:p>
             <a:pPr marL="342900" indent="-342900">
@@ -51139,8 +51094,12 @@
               <a:buAutoNum type="arabicPeriod" startAt="7"/>
             </a:pPr>
             <a:r>
+              <a:rPr lang="fr-FR" dirty="0"/>
+              <a:t>Expliquer cette </a:t>
+            </a:r>
+            <a:r>
               <a:rPr lang="fr-FR" dirty="0" smtClean="0"/>
-              <a:t>Quelle est le nom de la vulnérabilité ? (CVE-XXXX-XXXX) </a:t>
+              <a:t>vulnérabilité.</a:t>
             </a:r>
           </a:p>
           <a:p>
@@ -51156,9 +51115,10 @@
               <a:buAutoNum type="arabicPeriod" startAt="7"/>
             </a:pPr>
             <a:r>
-              <a:rPr lang="fr-FR" dirty="0" smtClean="0"/>
-              <a:t>Expliquer cette vulnérabilité.</a:t>
-            </a:r>
+              <a:rPr lang="fr-FR" dirty="0"/>
+              <a:t>Quel est le niveau de criticité de cette vulnérabilité ? </a:t>
+            </a:r>
+            <a:endParaRPr lang="fr-FR" dirty="0" smtClean="0"/>
           </a:p>
           <a:p>
             <a:pPr marL="342900" indent="-342900">
@@ -51174,8 +51134,9 @@
             </a:pPr>
             <a:r>
               <a:rPr lang="fr-FR" dirty="0" smtClean="0"/>
-              <a:t>Quel est le niveau de criticité de cette vulnérabilité ? </a:t>
-            </a:r>
+              <a:t>Proposez une autre exploitation possible de cette vulnérabilité.</a:t>
+            </a:r>
+            <a:endParaRPr lang="fr-FR" dirty="0"/>
           </a:p>
           <a:p>
             <a:pPr marL="342900" indent="-342900">
@@ -51190,9 +51151,14 @@
               <a:buAutoNum type="arabicPeriod" startAt="7"/>
             </a:pPr>
             <a:r>
+              <a:rPr lang="fr-FR" dirty="0"/>
+              <a:t>A partir de quelle version cette vulnérabilité est-elle corrigée </a:t>
+            </a:r>
+            <a:r>
               <a:rPr lang="fr-FR" dirty="0" smtClean="0"/>
-              <a:t>A partir de quelle version cette vulnérabilité est-elle corrigée ?</a:t>
-            </a:r>
+              <a:t>?</a:t>
+            </a:r>
+            <a:endParaRPr lang="fr-FR" dirty="0"/>
           </a:p>
           <a:p>
             <a:pPr marL="342900" indent="-342900">
@@ -51208,8 +51174,13 @@
             </a:pPr>
             <a:r>
               <a:rPr lang="fr-FR" dirty="0" smtClean="0"/>
-              <a:t>Comment peut-on mettre à jour une librairie python ? Donner la commande et exécuter cette commande puis exécuter le script « update_requirements.py ». Vérifier dans le fichier « requirements.txt » que la librairie est bien à jour.</a:t>
-            </a:r>
+              <a:t> Comment </a:t>
+            </a:r>
+            <a:r>
+              <a:rPr lang="fr-FR" dirty="0"/>
+              <a:t>peut-on mettre à jour une librairie python ? </a:t>
+            </a:r>
+            <a:endParaRPr lang="fr-FR" dirty="0" smtClean="0"/>
           </a:p>
           <a:p>
             <a:pPr marL="342900" indent="-342900">
@@ -51221,24 +51192,15 @@
           <a:p>
             <a:pPr marL="342900" indent="-342900">
               <a:buFont typeface="+mj-lt"/>
-              <a:buAutoNum type="arabicPeriod" startAt="12"/>
+              <a:buAutoNum type="arabicPeriod" startAt="7"/>
             </a:pPr>
-            <a:r>
-              <a:rPr lang="fr-FR" dirty="0"/>
-              <a:t>Mettre les fichiers dans </a:t>
-            </a:r>
-            <a:r>
-              <a:rPr lang="fr-FR" dirty="0" err="1"/>
-              <a:t>github</a:t>
-            </a:r>
-            <a:r>
-              <a:rPr lang="fr-FR" dirty="0"/>
-              <a:t> et observer si une vulnérabilité </a:t>
-            </a:r>
-            <a:r>
-              <a:rPr lang="fr-FR" dirty="0" smtClean="0"/>
-              <a:t>remonte </a:t>
-            </a:r>
+            <a:endParaRPr lang="fr-FR" dirty="0"/>
+          </a:p>
+          <a:p>
+            <a:pPr marL="342900" indent="-342900">
+              <a:buFont typeface="+mj-lt"/>
+              <a:buAutoNum type="arabicPeriod" startAt="7"/>
+            </a:pPr>
             <a:endParaRPr lang="fr-FR" dirty="0"/>
           </a:p>
         </p:txBody>
